--- a/projectPPT.pptx
+++ b/projectPPT.pptx
@@ -1471,7 +1471,7 @@
         </p:nvSpPr>
         <p:spPr>
           <a:xfrm>
-            <a:off x="1658762" y="6199524"/>
+            <a:off x="2257477" y="6391656"/>
             <a:ext cx="2615803" cy="431959"/>
           </a:xfrm>
           <a:prstGeom prst="rect">
@@ -1499,16 +1499,8 @@
                 <a:ea typeface="Source Sans Pro" pitchFamily="34" charset="-122"/>
                 <a:cs typeface="Source Sans Pro" pitchFamily="34" charset="-120"/>
               </a:rPr>
-              <a:t>by GAURAV RAJ SINGH</a:t>
-            </a:r>
-          </a:p>
-          <a:p>
-            <a:pPr marL="0" indent="0" algn="ctr">
-              <a:lnSpc>
-                <a:spcPts val="3402"/>
-              </a:lnSpc>
-              <a:buNone/>
-            </a:pPr>
+              <a:t>by GAURAV RAJ SINGH </a:t>
+            </a:r>
             <a:r>
               <a:rPr lang="en-US" sz="2430" b="1" dirty="0">
                 <a:solidFill>
@@ -2637,7 +2629,7 @@
               <a:buNone/>
             </a:pPr>
             <a:r>
-              <a:rPr lang="en-US" sz="1546" b="1" kern="0" spc="-15" dirty="0">
+              <a:rPr lang="en-US" sz="1546" b="1" kern="0" spc="-15">
                 <a:solidFill>
                   <a:srgbClr val="FFFFFF"/>
                 </a:solidFill>
@@ -2645,7 +2637,7 @@
                 <a:ea typeface="Montserrat" pitchFamily="34" charset="-122"/>
                 <a:cs typeface="Montserrat" pitchFamily="34" charset="-120"/>
               </a:rPr>
-              <a:t>Algorithm Implementation</a:t>
+              <a:t>Algorithm  Implementation</a:t>
             </a:r>
             <a:endParaRPr lang="en-US" sz="1546" dirty="0"/>
           </a:p>
